--- a/doc/supplement.pptx
+++ b/doc/supplement.pptx
@@ -200,7 +200,7 @@
           <a:p>
             <a:fld id="{25176642-F564-574F-BC36-2887DC249FDA}" type="datetimeFigureOut">
               <a:rPr lang="en-US" smtClean="0"/>
-              <a:t>4/8/14</a:t>
+              <a:t>4/11/14</a:t>
             </a:fld>
             <a:endParaRPr lang="en-US"/>
           </a:p>
@@ -902,7 +902,7 @@
             <a:fld id="{0DA042B0-5508-8A40-9A09-F8377543C8AB}" type="datetimeFigureOut">
               <a:rPr lang="en-US" smtClean="0"/>
               <a:pPr/>
-              <a:t>4/8/14</a:t>
+              <a:t>4/11/14</a:t>
             </a:fld>
             <a:endParaRPr lang="en-US" dirty="0"/>
           </a:p>
@@ -1074,7 +1074,7 @@
             <a:fld id="{0DA042B0-5508-8A40-9A09-F8377543C8AB}" type="datetimeFigureOut">
               <a:rPr lang="en-US" smtClean="0"/>
               <a:pPr/>
-              <a:t>4/8/14</a:t>
+              <a:t>4/11/14</a:t>
             </a:fld>
             <a:endParaRPr lang="en-US" dirty="0"/>
           </a:p>
@@ -1256,7 +1256,7 @@
             <a:fld id="{0DA042B0-5508-8A40-9A09-F8377543C8AB}" type="datetimeFigureOut">
               <a:rPr lang="en-US" smtClean="0"/>
               <a:pPr/>
-              <a:t>4/8/14</a:t>
+              <a:t>4/11/14</a:t>
             </a:fld>
             <a:endParaRPr lang="en-US" dirty="0"/>
           </a:p>
@@ -1428,7 +1428,7 @@
             <a:fld id="{0DA042B0-5508-8A40-9A09-F8377543C8AB}" type="datetimeFigureOut">
               <a:rPr lang="en-US" smtClean="0"/>
               <a:pPr/>
-              <a:t>4/8/14</a:t>
+              <a:t>4/11/14</a:t>
             </a:fld>
             <a:endParaRPr lang="en-US" dirty="0"/>
           </a:p>
@@ -1676,7 +1676,7 @@
             <a:fld id="{0DA042B0-5508-8A40-9A09-F8377543C8AB}" type="datetimeFigureOut">
               <a:rPr lang="en-US" smtClean="0"/>
               <a:pPr/>
-              <a:t>4/8/14</a:t>
+              <a:t>4/11/14</a:t>
             </a:fld>
             <a:endParaRPr lang="en-US" dirty="0"/>
           </a:p>
@@ -1966,7 +1966,7 @@
             <a:fld id="{0DA042B0-5508-8A40-9A09-F8377543C8AB}" type="datetimeFigureOut">
               <a:rPr lang="en-US" smtClean="0"/>
               <a:pPr/>
-              <a:t>4/8/14</a:t>
+              <a:t>4/11/14</a:t>
             </a:fld>
             <a:endParaRPr lang="en-US" dirty="0"/>
           </a:p>
@@ -2390,7 +2390,7 @@
             <a:fld id="{0DA042B0-5508-8A40-9A09-F8377543C8AB}" type="datetimeFigureOut">
               <a:rPr lang="en-US" smtClean="0"/>
               <a:pPr/>
-              <a:t>4/8/14</a:t>
+              <a:t>4/11/14</a:t>
             </a:fld>
             <a:endParaRPr lang="en-US" dirty="0"/>
           </a:p>
@@ -2510,7 +2510,7 @@
             <a:fld id="{0DA042B0-5508-8A40-9A09-F8377543C8AB}" type="datetimeFigureOut">
               <a:rPr lang="en-US" smtClean="0"/>
               <a:pPr/>
-              <a:t>4/8/14</a:t>
+              <a:t>4/11/14</a:t>
             </a:fld>
             <a:endParaRPr lang="en-US" dirty="0"/>
           </a:p>
@@ -2607,7 +2607,7 @@
             <a:fld id="{0DA042B0-5508-8A40-9A09-F8377543C8AB}" type="datetimeFigureOut">
               <a:rPr lang="en-US" smtClean="0"/>
               <a:pPr/>
-              <a:t>4/8/14</a:t>
+              <a:t>4/11/14</a:t>
             </a:fld>
             <a:endParaRPr lang="en-US" dirty="0"/>
           </a:p>
@@ -2886,7 +2886,7 @@
             <a:fld id="{0DA042B0-5508-8A40-9A09-F8377543C8AB}" type="datetimeFigureOut">
               <a:rPr lang="en-US" smtClean="0"/>
               <a:pPr/>
-              <a:t>4/8/14</a:t>
+              <a:t>4/11/14</a:t>
             </a:fld>
             <a:endParaRPr lang="en-US" dirty="0"/>
           </a:p>
@@ -3145,7 +3145,7 @@
             <a:fld id="{0DA042B0-5508-8A40-9A09-F8377543C8AB}" type="datetimeFigureOut">
               <a:rPr lang="en-US" smtClean="0"/>
               <a:pPr/>
-              <a:t>4/8/14</a:t>
+              <a:t>4/11/14</a:t>
             </a:fld>
             <a:endParaRPr lang="en-US" dirty="0"/>
           </a:p>
@@ -3360,7 +3360,7 @@
             <a:fld id="{0DA042B0-5508-8A40-9A09-F8377543C8AB}" type="datetimeFigureOut">
               <a:rPr lang="en-US" smtClean="0"/>
               <a:pPr/>
-              <a:t>4/8/14</a:t>
+              <a:t>4/11/14</a:t>
             </a:fld>
             <a:endParaRPr lang="en-US" dirty="0"/>
           </a:p>
@@ -3758,7 +3758,7 @@
           <a:graphicData uri="http://schemas.openxmlformats.org/presentationml/2006/ole">
             <mc:AlternateContent xmlns:mc="http://schemas.openxmlformats.org/markup-compatibility/2006">
               <mc:Choice xmlns:v="urn:schemas-microsoft-com:vml" Requires="v">
-                <p:oleObj spid="_x0000_s1112" name="Equation" r:id="rId3" imgW="3162300" imgH="457200" progId="Equation.DSMT4">
+                <p:oleObj spid="_x0000_s1116" name="Equation" r:id="rId3" imgW="3162300" imgH="457200" progId="Equation.DSMT4">
                   <p:embed/>
                 </p:oleObj>
               </mc:Choice>
@@ -3815,7 +3815,7 @@
           <a:graphicData uri="http://schemas.openxmlformats.org/presentationml/2006/ole">
             <mc:AlternateContent xmlns:mc="http://schemas.openxmlformats.org/markup-compatibility/2006">
               <mc:Choice xmlns:v="urn:schemas-microsoft-com:vml" Requires="v">
-                <p:oleObj spid="_x0000_s1113" name="Equation" r:id="rId5" imgW="2667000" imgH="393700" progId="Equation.DSMT4">
+                <p:oleObj spid="_x0000_s1117" name="Equation" r:id="rId5" imgW="2667000" imgH="393700" progId="Equation.DSMT4">
                   <p:embed/>
                 </p:oleObj>
               </mc:Choice>
@@ -3872,7 +3872,7 @@
           <a:graphicData uri="http://schemas.openxmlformats.org/presentationml/2006/ole">
             <mc:AlternateContent xmlns:mc="http://schemas.openxmlformats.org/markup-compatibility/2006">
               <mc:Choice xmlns:v="urn:schemas-microsoft-com:vml" Requires="v">
-                <p:oleObj spid="_x0000_s1114" name="Equation" r:id="rId7" imgW="3517900" imgH="876300" progId="Equation.DSMT4">
+                <p:oleObj spid="_x0000_s1118" name="Equation" r:id="rId7" imgW="3517900" imgH="876300" progId="Equation.DSMT4">
                   <p:embed/>
                 </p:oleObj>
               </mc:Choice>
@@ -5380,11 +5380,6 @@
               </a:rPr>
               <a:t>mRNA module</a:t>
             </a:r>
-            <a:endParaRPr lang="en-US" dirty="0">
-              <a:solidFill>
-                <a:srgbClr val="FF0000"/>
-              </a:solidFill>
-            </a:endParaRPr>
           </a:p>
         </p:txBody>
       </p:sp>

--- a/doc/supplement.pptx
+++ b/doc/supplement.pptx
@@ -3758,7 +3758,7 @@
           <a:graphicData uri="http://schemas.openxmlformats.org/presentationml/2006/ole">
             <mc:AlternateContent xmlns:mc="http://schemas.openxmlformats.org/markup-compatibility/2006">
               <mc:Choice xmlns:v="urn:schemas-microsoft-com:vml" Requires="v">
-                <p:oleObj spid="_x0000_s1116" name="Equation" r:id="rId3" imgW="3162300" imgH="457200" progId="Equation.DSMT4">
+                <p:oleObj spid="_x0000_s1123" name="Equation" r:id="rId3" imgW="3162300" imgH="457200" progId="Equation.DSMT4">
                   <p:embed/>
                 </p:oleObj>
               </mc:Choice>
@@ -3815,7 +3815,7 @@
           <a:graphicData uri="http://schemas.openxmlformats.org/presentationml/2006/ole">
             <mc:AlternateContent xmlns:mc="http://schemas.openxmlformats.org/markup-compatibility/2006">
               <mc:Choice xmlns:v="urn:schemas-microsoft-com:vml" Requires="v">
-                <p:oleObj spid="_x0000_s1117" name="Equation" r:id="rId5" imgW="2667000" imgH="393700" progId="Equation.DSMT4">
+                <p:oleObj spid="_x0000_s1124" name="Equation" r:id="rId5" imgW="2667000" imgH="393700" progId="Equation.DSMT4">
                   <p:embed/>
                 </p:oleObj>
               </mc:Choice>
@@ -3872,7 +3872,7 @@
           <a:graphicData uri="http://schemas.openxmlformats.org/presentationml/2006/ole">
             <mc:AlternateContent xmlns:mc="http://schemas.openxmlformats.org/markup-compatibility/2006">
               <mc:Choice xmlns:v="urn:schemas-microsoft-com:vml" Requires="v">
-                <p:oleObj spid="_x0000_s1118" name="Equation" r:id="rId7" imgW="3517900" imgH="876300" progId="Equation.DSMT4">
+                <p:oleObj spid="_x0000_s1125" name="Equation" r:id="rId7" imgW="3517900" imgH="876300" progId="Equation.DSMT4">
                   <p:embed/>
                 </p:oleObj>
               </mc:Choice>
@@ -6279,39 +6279,6 @@
           <a:chExt cx="0" cy="0"/>
         </a:xfrm>
       </p:grpSpPr>
-      <p:pic>
-        <p:nvPicPr>
-          <p:cNvPr id="2" name="Picture 1" descr="Macintosh HD:Users:zhangcheng:Dropbox:Current:2. TLR4:Andrew:Andrew_paper:TNF_regulation:Fig.4:fig4s_secTNF2.pdf"/>
-          <p:cNvPicPr/>
-          <p:nvPr/>
-        </p:nvPicPr>
-        <p:blipFill>
-          <a:blip r:embed="rId2">
-            <a:extLst>
-              <a:ext uri="{28A0092B-C50C-407E-A947-70E740481C1C}">
-                <a14:useLocalDpi xmlns:a14="http://schemas.microsoft.com/office/drawing/2010/main" val="0"/>
-              </a:ext>
-            </a:extLst>
-          </a:blip>
-          <a:srcRect/>
-          <a:stretch>
-            <a:fillRect/>
-          </a:stretch>
-        </p:blipFill>
-        <p:spPr bwMode="auto">
-          <a:xfrm>
-            <a:off x="2514600" y="489630"/>
-            <a:ext cx="4114800" cy="1543050"/>
-          </a:xfrm>
-          <a:prstGeom prst="rect">
-            <a:avLst/>
-          </a:prstGeom>
-          <a:noFill/>
-          <a:ln>
-            <a:noFill/>
-          </a:ln>
-        </p:spPr>
-      </p:pic>
       <p:sp>
         <p:nvSpPr>
           <p:cNvPr id="3" name="Rectangle 2"/>
@@ -6341,39 +6308,6 @@
           </a:p>
         </p:txBody>
       </p:sp>
-      <p:pic>
-        <p:nvPicPr>
-          <p:cNvPr id="4" name="Picture 3" descr="Macintosh HD:Users:zhangcheng:Dropbox:Current:2. TLR4:Andrew:Andrew_paper:TNF_regulation:Fig.4:fig4s_all2.pdf"/>
-          <p:cNvPicPr/>
-          <p:nvPr/>
-        </p:nvPicPr>
-        <p:blipFill>
-          <a:blip r:embed="rId3">
-            <a:extLst>
-              <a:ext uri="{28A0092B-C50C-407E-A947-70E740481C1C}">
-                <a14:useLocalDpi xmlns:a14="http://schemas.microsoft.com/office/drawing/2010/main" val="0"/>
-              </a:ext>
-            </a:extLst>
-          </a:blip>
-          <a:srcRect/>
-          <a:stretch>
-            <a:fillRect/>
-          </a:stretch>
-        </p:blipFill>
-        <p:spPr bwMode="auto">
-          <a:xfrm>
-            <a:off x="1706187" y="3290636"/>
-            <a:ext cx="5486400" cy="1371600"/>
-          </a:xfrm>
-          <a:prstGeom prst="rect">
-            <a:avLst/>
-          </a:prstGeom>
-          <a:noFill/>
-          <a:ln>
-            <a:noFill/>
-          </a:ln>
-        </p:spPr>
-      </p:pic>
       <p:sp>
         <p:nvSpPr>
           <p:cNvPr id="5" name="Rectangle 4"/>
